--- a/思考.pptx
+++ b/思考.pptx
@@ -3616,7 +3616,6 @@
               <a:rPr lang="zh-CN" altLang="en-US" dirty="0"/>
               <a:t>则失败</a:t>
             </a:r>
-            <a:endParaRPr lang="zh-CN" altLang="en-US" dirty="0"/>
           </a:p>
         </p:txBody>
       </p:sp>
@@ -3853,6 +3852,68 @@
                 </a:solidFill>
               </a:rPr>
               <a:t>失败。</a:t>
+            </a:r>
+            <a:endParaRPr lang="zh-CN" altLang="en-US" dirty="0">
+              <a:solidFill>
+                <a:srgbClr val="FF0000"/>
+              </a:solidFill>
+            </a:endParaRPr>
+          </a:p>
+        </p:txBody>
+      </p:sp>
+      <p:sp>
+        <p:nvSpPr>
+          <p:cNvPr id="15" name="文本框 7"/>
+          <p:cNvSpPr txBox="1"/>
+          <p:nvPr/>
+        </p:nvSpPr>
+        <p:spPr>
+          <a:xfrm>
+            <a:off x="631823" y="5094446"/>
+            <a:ext cx="4044315" cy="368300"/>
+          </a:xfrm>
+          <a:prstGeom prst="rect">
+            <a:avLst/>
+          </a:prstGeom>
+          <a:noFill/>
+        </p:spPr>
+        <p:txBody>
+          <a:bodyPr wrap="square" rtlCol="0">
+            <a:spAutoFit/>
+          </a:bodyPr>
+          <a:lstStyle/>
+          <a:p>
+            <a:r>
+              <a:rPr lang="en-US" altLang="zh-CN" dirty="0" smtClean="0">
+                <a:solidFill>
+                  <a:srgbClr val="FF0000"/>
+                </a:solidFill>
+              </a:rPr>
+              <a:t>5</a:t>
+            </a:r>
+            <a:r>
+              <a:rPr lang="en-US" dirty="0" smtClean="0">
+                <a:solidFill>
+                  <a:srgbClr val="FF0000"/>
+                </a:solidFill>
+              </a:rPr>
+              <a:t>.</a:t>
+            </a:r>
+            <a:r>
+              <a:rPr lang="zh-CN" altLang="en-US" dirty="0">
+                <a:solidFill>
+                  <a:srgbClr val="FF0000"/>
+                </a:solidFill>
+              </a:rPr>
+              <a:t>失</a:t>
+            </a:r>
+            <a:r>
+              <a:rPr lang="zh-CN" altLang="en-US" dirty="0" smtClean="0">
+                <a:solidFill>
+                  <a:srgbClr val="FF0000"/>
+                </a:solidFill>
+              </a:rPr>
+              <a:t>败方式唯一</a:t>
             </a:r>
             <a:endParaRPr lang="zh-CN" altLang="en-US" dirty="0">
               <a:solidFill>
@@ -4294,7 +4355,7 @@
         </p:nvSpPr>
         <p:spPr>
           <a:xfrm>
-            <a:off x="661035" y="2231390"/>
+            <a:off x="661035" y="2224008"/>
             <a:ext cx="7431832" cy="369332"/>
           </a:xfrm>
           <a:prstGeom prst="rect">
@@ -4471,14 +4532,6 @@
               </a:rPr>
               <a:t>如果这个游戏改成借钱的游戏该如何 设计</a:t>
             </a:r>
-            <a:endParaRPr lang="zh-CN" altLang="en-US" sz="4000" dirty="0">
-              <a:solidFill>
-                <a:schemeClr val="accent3">
-                  <a:lumMod val="20000"/>
-                  <a:lumOff val="80000"/>
-                </a:schemeClr>
-              </a:solidFill>
-            </a:endParaRPr>
           </a:p>
         </p:txBody>
       </p:sp>
@@ -4602,7 +4655,6 @@
               <a:rPr lang="zh-CN" altLang="en-US" dirty="0"/>
               <a:t>游戏改成探索神经病医院，或者是探索一个诡异的地方，并沿用这个玩法</a:t>
             </a:r>
-            <a:endParaRPr lang="zh-CN" altLang="en-US" dirty="0"/>
           </a:p>
         </p:txBody>
       </p:sp>
